--- a/teaching/expdes/plot-problems.pptx
+++ b/teaching/expdes/plot-problems.pptx
@@ -108,6 +108,11 @@
       </a:defRPr>
     </a:lvl9pPr>
   </p:defaultTextStyle>
+  <p:extLst>
+    <p:ext uri="{EFAFB233-063F-42B5-8137-9DF3F51BA10A}">
+      <p15:sldGuideLst xmlns:p15="http://schemas.microsoft.com/office/powerpoint/2012/main"/>
+    </p:ext>
+  </p:extLst>
 </p:presentation>
 </file>
 
@@ -242,7 +247,7 @@
           <a:p>
             <a:fld id="{CA0D6CE5-8B1F-DB48-8711-2C7A9CA7743D}" type="datetimeFigureOut">
               <a:rPr lang="en-US" smtClean="0"/>
-              <a:t>1/17/18</a:t>
+              <a:t>1/22/18</a:t>
             </a:fld>
             <a:endParaRPr lang="en-US"/>
           </a:p>
@@ -412,7 +417,7 @@
           <a:p>
             <a:fld id="{CA0D6CE5-8B1F-DB48-8711-2C7A9CA7743D}" type="datetimeFigureOut">
               <a:rPr lang="en-US" smtClean="0"/>
-              <a:t>1/17/18</a:t>
+              <a:t>1/22/18</a:t>
             </a:fld>
             <a:endParaRPr lang="en-US"/>
           </a:p>
@@ -592,7 +597,7 @@
           <a:p>
             <a:fld id="{CA0D6CE5-8B1F-DB48-8711-2C7A9CA7743D}" type="datetimeFigureOut">
               <a:rPr lang="en-US" smtClean="0"/>
-              <a:t>1/17/18</a:t>
+              <a:t>1/22/18</a:t>
             </a:fld>
             <a:endParaRPr lang="en-US"/>
           </a:p>
@@ -762,7 +767,7 @@
           <a:p>
             <a:fld id="{CA0D6CE5-8B1F-DB48-8711-2C7A9CA7743D}" type="datetimeFigureOut">
               <a:rPr lang="en-US" smtClean="0"/>
-              <a:t>1/17/18</a:t>
+              <a:t>1/22/18</a:t>
             </a:fld>
             <a:endParaRPr lang="en-US"/>
           </a:p>
@@ -1008,7 +1013,7 @@
           <a:p>
             <a:fld id="{CA0D6CE5-8B1F-DB48-8711-2C7A9CA7743D}" type="datetimeFigureOut">
               <a:rPr lang="en-US" smtClean="0"/>
-              <a:t>1/17/18</a:t>
+              <a:t>1/22/18</a:t>
             </a:fld>
             <a:endParaRPr lang="en-US"/>
           </a:p>
@@ -1240,7 +1245,7 @@
           <a:p>
             <a:fld id="{CA0D6CE5-8B1F-DB48-8711-2C7A9CA7743D}" type="datetimeFigureOut">
               <a:rPr lang="en-US" smtClean="0"/>
-              <a:t>1/17/18</a:t>
+              <a:t>1/22/18</a:t>
             </a:fld>
             <a:endParaRPr lang="en-US"/>
           </a:p>
@@ -1607,7 +1612,7 @@
           <a:p>
             <a:fld id="{CA0D6CE5-8B1F-DB48-8711-2C7A9CA7743D}" type="datetimeFigureOut">
               <a:rPr lang="en-US" smtClean="0"/>
-              <a:t>1/17/18</a:t>
+              <a:t>1/22/18</a:t>
             </a:fld>
             <a:endParaRPr lang="en-US"/>
           </a:p>
@@ -1725,7 +1730,7 @@
           <a:p>
             <a:fld id="{CA0D6CE5-8B1F-DB48-8711-2C7A9CA7743D}" type="datetimeFigureOut">
               <a:rPr lang="en-US" smtClean="0"/>
-              <a:t>1/17/18</a:t>
+              <a:t>1/22/18</a:t>
             </a:fld>
             <a:endParaRPr lang="en-US"/>
           </a:p>
@@ -1820,7 +1825,7 @@
           <a:p>
             <a:fld id="{CA0D6CE5-8B1F-DB48-8711-2C7A9CA7743D}" type="datetimeFigureOut">
               <a:rPr lang="en-US" smtClean="0"/>
-              <a:t>1/17/18</a:t>
+              <a:t>1/22/18</a:t>
             </a:fld>
             <a:endParaRPr lang="en-US"/>
           </a:p>
@@ -2097,7 +2102,7 @@
           <a:p>
             <a:fld id="{CA0D6CE5-8B1F-DB48-8711-2C7A9CA7743D}" type="datetimeFigureOut">
               <a:rPr lang="en-US" smtClean="0"/>
-              <a:t>1/17/18</a:t>
+              <a:t>1/22/18</a:t>
             </a:fld>
             <a:endParaRPr lang="en-US"/>
           </a:p>
@@ -2350,7 +2355,7 @@
           <a:p>
             <a:fld id="{CA0D6CE5-8B1F-DB48-8711-2C7A9CA7743D}" type="datetimeFigureOut">
               <a:rPr lang="en-US" smtClean="0"/>
-              <a:t>1/17/18</a:t>
+              <a:t>1/22/18</a:t>
             </a:fld>
             <a:endParaRPr lang="en-US"/>
           </a:p>
@@ -2563,7 +2568,7 @@
           <a:p>
             <a:fld id="{CA0D6CE5-8B1F-DB48-8711-2C7A9CA7743D}" type="datetimeFigureOut">
               <a:rPr lang="en-US" smtClean="0"/>
-              <a:t>1/17/18</a:t>
+              <a:t>1/22/18</a:t>
             </a:fld>
             <a:endParaRPr lang="en-US"/>
           </a:p>
@@ -3020,10 +3025,6 @@
               <a:rPr lang="en-US" sz="4000" dirty="0" smtClean="0"/>
               <a:t>Problematic plots</a:t>
             </a:r>
-            <a:r>
-              <a:rPr lang="en-US" sz="4000" dirty="0" smtClean="0"/>
-              <a:t/>
-            </a:r>
             <a:br>
               <a:rPr lang="en-US" sz="4000" dirty="0" smtClean="0"/>
             </a:br>
@@ -3051,7 +3052,7 @@
       </p:sp>
       <p:pic>
         <p:nvPicPr>
-          <p:cNvPr id="3" name="Picture 2"/>
+          <p:cNvPr id="4" name="Picture 3"/>
           <p:cNvPicPr>
             <a:picLocks noChangeAspect="1"/>
           </p:cNvPicPr>
@@ -3071,8 +3072,8 @@
         </p:blipFill>
         <p:spPr>
           <a:xfrm>
-            <a:off x="5315712" y="4521968"/>
-            <a:ext cx="6490208" cy="1560824"/>
+            <a:off x="7388352" y="3550298"/>
+            <a:ext cx="4394708" cy="2972421"/>
           </a:xfrm>
           <a:prstGeom prst="rect">
             <a:avLst/>

--- a/teaching/expdes/plot-problems.pptx
+++ b/teaching/expdes/plot-problems.pptx
@@ -7,9 +7,11 @@
   <p:sldIdLst>
     <p:sldId id="261" r:id="rId2"/>
     <p:sldId id="257" r:id="rId3"/>
-    <p:sldId id="258" r:id="rId4"/>
-    <p:sldId id="259" r:id="rId5"/>
-    <p:sldId id="260" r:id="rId6"/>
+    <p:sldId id="262" r:id="rId4"/>
+    <p:sldId id="258" r:id="rId5"/>
+    <p:sldId id="259" r:id="rId6"/>
+    <p:sldId id="260" r:id="rId7"/>
+    <p:sldId id="263" r:id="rId8"/>
   </p:sldIdLst>
   <p:sldSz cx="12192000" cy="6858000"/>
   <p:notesSz cx="6858000" cy="9144000"/>
@@ -247,7 +249,7 @@
           <a:p>
             <a:fld id="{CA0D6CE5-8B1F-DB48-8711-2C7A9CA7743D}" type="datetimeFigureOut">
               <a:rPr lang="en-US" smtClean="0"/>
-              <a:t>1/22/18</a:t>
+              <a:t>1/25/18</a:t>
             </a:fld>
             <a:endParaRPr lang="en-US"/>
           </a:p>
@@ -417,7 +419,7 @@
           <a:p>
             <a:fld id="{CA0D6CE5-8B1F-DB48-8711-2C7A9CA7743D}" type="datetimeFigureOut">
               <a:rPr lang="en-US" smtClean="0"/>
-              <a:t>1/22/18</a:t>
+              <a:t>1/25/18</a:t>
             </a:fld>
             <a:endParaRPr lang="en-US"/>
           </a:p>
@@ -597,7 +599,7 @@
           <a:p>
             <a:fld id="{CA0D6CE5-8B1F-DB48-8711-2C7A9CA7743D}" type="datetimeFigureOut">
               <a:rPr lang="en-US" smtClean="0"/>
-              <a:t>1/22/18</a:t>
+              <a:t>1/25/18</a:t>
             </a:fld>
             <a:endParaRPr lang="en-US"/>
           </a:p>
@@ -767,7 +769,7 @@
           <a:p>
             <a:fld id="{CA0D6CE5-8B1F-DB48-8711-2C7A9CA7743D}" type="datetimeFigureOut">
               <a:rPr lang="en-US" smtClean="0"/>
-              <a:t>1/22/18</a:t>
+              <a:t>1/25/18</a:t>
             </a:fld>
             <a:endParaRPr lang="en-US"/>
           </a:p>
@@ -1013,7 +1015,7 @@
           <a:p>
             <a:fld id="{CA0D6CE5-8B1F-DB48-8711-2C7A9CA7743D}" type="datetimeFigureOut">
               <a:rPr lang="en-US" smtClean="0"/>
-              <a:t>1/22/18</a:t>
+              <a:t>1/25/18</a:t>
             </a:fld>
             <a:endParaRPr lang="en-US"/>
           </a:p>
@@ -1245,7 +1247,7 @@
           <a:p>
             <a:fld id="{CA0D6CE5-8B1F-DB48-8711-2C7A9CA7743D}" type="datetimeFigureOut">
               <a:rPr lang="en-US" smtClean="0"/>
-              <a:t>1/22/18</a:t>
+              <a:t>1/25/18</a:t>
             </a:fld>
             <a:endParaRPr lang="en-US"/>
           </a:p>
@@ -1612,7 +1614,7 @@
           <a:p>
             <a:fld id="{CA0D6CE5-8B1F-DB48-8711-2C7A9CA7743D}" type="datetimeFigureOut">
               <a:rPr lang="en-US" smtClean="0"/>
-              <a:t>1/22/18</a:t>
+              <a:t>1/25/18</a:t>
             </a:fld>
             <a:endParaRPr lang="en-US"/>
           </a:p>
@@ -1730,7 +1732,7 @@
           <a:p>
             <a:fld id="{CA0D6CE5-8B1F-DB48-8711-2C7A9CA7743D}" type="datetimeFigureOut">
               <a:rPr lang="en-US" smtClean="0"/>
-              <a:t>1/22/18</a:t>
+              <a:t>1/25/18</a:t>
             </a:fld>
             <a:endParaRPr lang="en-US"/>
           </a:p>
@@ -1825,7 +1827,7 @@
           <a:p>
             <a:fld id="{CA0D6CE5-8B1F-DB48-8711-2C7A9CA7743D}" type="datetimeFigureOut">
               <a:rPr lang="en-US" smtClean="0"/>
-              <a:t>1/22/18</a:t>
+              <a:t>1/25/18</a:t>
             </a:fld>
             <a:endParaRPr lang="en-US"/>
           </a:p>
@@ -2102,7 +2104,7 @@
           <a:p>
             <a:fld id="{CA0D6CE5-8B1F-DB48-8711-2C7A9CA7743D}" type="datetimeFigureOut">
               <a:rPr lang="en-US" smtClean="0"/>
-              <a:t>1/22/18</a:t>
+              <a:t>1/25/18</a:t>
             </a:fld>
             <a:endParaRPr lang="en-US"/>
           </a:p>
@@ -2355,7 +2357,7 @@
           <a:p>
             <a:fld id="{CA0D6CE5-8B1F-DB48-8711-2C7A9CA7743D}" type="datetimeFigureOut">
               <a:rPr lang="en-US" smtClean="0"/>
-              <a:t>1/22/18</a:t>
+              <a:t>1/25/18</a:t>
             </a:fld>
             <a:endParaRPr lang="en-US"/>
           </a:p>
@@ -2568,7 +2570,7 @@
           <a:p>
             <a:fld id="{CA0D6CE5-8B1F-DB48-8711-2C7A9CA7743D}" type="datetimeFigureOut">
               <a:rPr lang="en-US" smtClean="0"/>
-              <a:t>1/22/18</a:t>
+              <a:t>1/25/18</a:t>
             </a:fld>
             <a:endParaRPr lang="en-US"/>
           </a:p>
@@ -3149,6 +3151,198 @@
                   <a:schemeClr val="bg1"/>
                 </a:solidFill>
               </a:rPr>
+              <a:t>Plan for today</a:t>
+            </a:r>
+            <a:endParaRPr lang="en-US" b="1" dirty="0">
+              <a:solidFill>
+                <a:schemeClr val="bg1"/>
+              </a:solidFill>
+            </a:endParaRPr>
+          </a:p>
+        </p:txBody>
+      </p:sp>
+      <p:sp>
+        <p:nvSpPr>
+          <p:cNvPr id="4" name="TextBox 3"/>
+          <p:cNvSpPr txBox="1"/>
+          <p:nvPr/>
+        </p:nvSpPr>
+        <p:spPr>
+          <a:xfrm>
+            <a:off x="560832" y="1182624"/>
+            <a:ext cx="10004214" cy="4524315"/>
+          </a:xfrm>
+          <a:prstGeom prst="rect">
+            <a:avLst/>
+          </a:prstGeom>
+          <a:noFill/>
+        </p:spPr>
+        <p:txBody>
+          <a:bodyPr wrap="none" rtlCol="0">
+            <a:spAutoFit/>
+          </a:bodyPr>
+          <a:lstStyle/>
+          <a:p>
+            <a:pPr marL="514350" indent="-514350">
+              <a:buFont typeface="+mj-lt"/>
+              <a:buAutoNum type="arabicPeriod"/>
+            </a:pPr>
+            <a:r>
+              <a:rPr lang="en-US" sz="3200" dirty="0" smtClean="0"/>
+              <a:t>Build a script that reads data and makes 6 types of plots</a:t>
+            </a:r>
+          </a:p>
+          <a:p>
+            <a:pPr marL="742950" lvl="1" indent="-285750">
+              <a:buFont typeface="Arial" charset="0"/>
+              <a:buChar char="•"/>
+            </a:pPr>
+            <a:r>
+              <a:rPr lang="en-US" sz="3200" dirty="0" smtClean="0"/>
+              <a:t>Histogram</a:t>
+            </a:r>
+          </a:p>
+          <a:p>
+            <a:pPr marL="742950" lvl="1" indent="-285750">
+              <a:buFont typeface="Arial" charset="0"/>
+              <a:buChar char="•"/>
+            </a:pPr>
+            <a:r>
+              <a:rPr lang="en-US" sz="3200" dirty="0" err="1" smtClean="0"/>
+              <a:t>Barplot</a:t>
+            </a:r>
+            <a:endParaRPr lang="en-US" sz="3200" dirty="0" smtClean="0"/>
+          </a:p>
+          <a:p>
+            <a:pPr marL="742950" lvl="1" indent="-285750">
+              <a:buFont typeface="Arial" charset="0"/>
+              <a:buChar char="•"/>
+            </a:pPr>
+            <a:r>
+              <a:rPr lang="en-US" sz="3200" dirty="0" err="1" smtClean="0"/>
+              <a:t>Moasaicplot</a:t>
+            </a:r>
+            <a:endParaRPr lang="en-US" sz="3200" dirty="0" smtClean="0"/>
+          </a:p>
+          <a:p>
+            <a:pPr marL="742950" lvl="1" indent="-285750">
+              <a:buFont typeface="Arial" charset="0"/>
+              <a:buChar char="•"/>
+            </a:pPr>
+            <a:r>
+              <a:rPr lang="en-US" sz="3200" dirty="0" smtClean="0"/>
+              <a:t>XY scatter</a:t>
+            </a:r>
+          </a:p>
+          <a:p>
+            <a:pPr marL="742950" lvl="1" indent="-285750">
+              <a:buFont typeface="Arial" charset="0"/>
+              <a:buChar char="•"/>
+            </a:pPr>
+            <a:r>
+              <a:rPr lang="en-US" sz="3200" dirty="0" smtClean="0"/>
+              <a:t>Boxplot</a:t>
+            </a:r>
+          </a:p>
+          <a:p>
+            <a:pPr marL="742950" lvl="1" indent="-285750">
+              <a:buFont typeface="Arial" charset="0"/>
+              <a:buChar char="•"/>
+            </a:pPr>
+            <a:r>
+              <a:rPr lang="en-US" sz="3200" dirty="0" err="1" smtClean="0"/>
+              <a:t>Stripchart</a:t>
+            </a:r>
+            <a:endParaRPr lang="en-US" sz="3200" dirty="0" smtClean="0"/>
+          </a:p>
+          <a:p>
+            <a:pPr marL="285750" indent="-285750">
+              <a:buFont typeface="Arial" charset="0"/>
+              <a:buChar char="•"/>
+            </a:pPr>
+            <a:endParaRPr lang="en-US" sz="3200" dirty="0" smtClean="0"/>
+          </a:p>
+          <a:p>
+            <a:pPr marL="514350" indent="-514350">
+              <a:buFont typeface="+mj-lt"/>
+              <a:buAutoNum type="arabicPeriod" startAt="2"/>
+            </a:pPr>
+            <a:r>
+              <a:rPr lang="en-US" sz="3200" dirty="0" smtClean="0"/>
+              <a:t>Find a published plot that is bad</a:t>
+            </a:r>
+          </a:p>
+        </p:txBody>
+      </p:sp>
+    </p:spTree>
+    <p:extLst>
+      <p:ext uri="{BB962C8B-B14F-4D97-AF65-F5344CB8AC3E}">
+        <p14:creationId xmlns:p14="http://schemas.microsoft.com/office/powerpoint/2010/main" val="1973781725"/>
+      </p:ext>
+    </p:extLst>
+  </p:cSld>
+  <p:clrMapOvr>
+    <a:masterClrMapping/>
+  </p:clrMapOvr>
+  <p:timing>
+    <p:tnLst>
+      <p:par>
+        <p:cTn id="1" dur="indefinite" restart="never" nodeType="tmRoot"/>
+      </p:par>
+    </p:tnLst>
+  </p:timing>
+</p:sld>
+</file>
+
+<file path=ppt/slides/slide3.xml><?xml version="1.0" encoding="utf-8"?>
+<p:sld xmlns:a="http://schemas.openxmlformats.org/drawingml/2006/main" xmlns:r="http://schemas.openxmlformats.org/officeDocument/2006/relationships" xmlns:p="http://schemas.openxmlformats.org/presentationml/2006/main">
+  <p:cSld>
+    <p:spTree>
+      <p:nvGrpSpPr>
+        <p:cNvPr id="1" name=""/>
+        <p:cNvGrpSpPr/>
+        <p:nvPr/>
+      </p:nvGrpSpPr>
+      <p:grpSpPr>
+        <a:xfrm>
+          <a:off x="0" y="0"/>
+          <a:ext cx="0" cy="0"/>
+          <a:chOff x="0" y="0"/>
+          <a:chExt cx="0" cy="0"/>
+        </a:xfrm>
+      </p:grpSpPr>
+      <p:sp>
+        <p:nvSpPr>
+          <p:cNvPr id="2" name="Title 1"/>
+          <p:cNvSpPr>
+            <a:spLocks noGrp="1"/>
+          </p:cNvSpPr>
+          <p:nvPr>
+            <p:ph type="title"/>
+          </p:nvPr>
+        </p:nvSpPr>
+        <p:spPr>
+          <a:xfrm>
+            <a:off x="0" y="0"/>
+            <a:ext cx="12192000" cy="935915"/>
+          </a:xfrm>
+          <a:solidFill>
+            <a:schemeClr val="tx1"/>
+          </a:solidFill>
+        </p:spPr>
+        <p:txBody>
+          <a:bodyPr>
+            <a:normAutofit/>
+          </a:bodyPr>
+          <a:lstStyle/>
+          <a:p>
+            <a:pPr algn="ctr"/>
+            <a:r>
+              <a:rPr lang="en-US" b="1" dirty="0" smtClean="0">
+                <a:solidFill>
+                  <a:schemeClr val="bg1"/>
+                </a:solidFill>
+              </a:rPr>
               <a:t>Problematic Plots</a:t>
             </a:r>
             <a:endParaRPr lang="en-US" b="1" dirty="0">
@@ -3192,7 +3386,7 @@
     </p:spTree>
     <p:extLst>
       <p:ext uri="{BB962C8B-B14F-4D97-AF65-F5344CB8AC3E}">
-        <p14:creationId xmlns:p14="http://schemas.microsoft.com/office/powerpoint/2010/main" val="1973781725"/>
+        <p14:creationId xmlns:p14="http://schemas.microsoft.com/office/powerpoint/2010/main" val="1714148279"/>
       </p:ext>
     </p:extLst>
   </p:cSld>
@@ -3277,7 +3471,7 @@
 </p:sld>
 </file>
 
-<file path=ppt/slides/slide3.xml><?xml version="1.0" encoding="utf-8"?>
+<file path=ppt/slides/slide4.xml><?xml version="1.0" encoding="utf-8"?>
 <p:sld xmlns:a="http://schemas.openxmlformats.org/drawingml/2006/main" xmlns:r="http://schemas.openxmlformats.org/officeDocument/2006/relationships" xmlns:p="http://schemas.openxmlformats.org/presentationml/2006/main">
   <p:cSld>
     <p:spTree>
@@ -3479,7 +3673,7 @@
 </p:sld>
 </file>
 
-<file path=ppt/slides/slide4.xml><?xml version="1.0" encoding="utf-8"?>
+<file path=ppt/slides/slide5.xml><?xml version="1.0" encoding="utf-8"?>
 <p:sld xmlns:a="http://schemas.openxmlformats.org/drawingml/2006/main" xmlns:r="http://schemas.openxmlformats.org/officeDocument/2006/relationships" xmlns:p="http://schemas.openxmlformats.org/presentationml/2006/main">
   <p:cSld>
     <p:spTree>
@@ -3583,7 +3777,7 @@
 </p:sld>
 </file>
 
-<file path=ppt/slides/slide5.xml><?xml version="1.0" encoding="utf-8"?>
+<file path=ppt/slides/slide6.xml><?xml version="1.0" encoding="utf-8"?>
 <p:sld xmlns:a="http://schemas.openxmlformats.org/drawingml/2006/main" xmlns:r="http://schemas.openxmlformats.org/officeDocument/2006/relationships" xmlns:p="http://schemas.openxmlformats.org/presentationml/2006/main">
   <p:cSld>
     <p:spTree>
@@ -3779,6 +3973,115 @@
             </p:seq>
           </p:childTnLst>
         </p:cTn>
+      </p:par>
+    </p:tnLst>
+  </p:timing>
+</p:sld>
+</file>
+
+<file path=ppt/slides/slide7.xml><?xml version="1.0" encoding="utf-8"?>
+<p:sld xmlns:a="http://schemas.openxmlformats.org/drawingml/2006/main" xmlns:r="http://schemas.openxmlformats.org/officeDocument/2006/relationships" xmlns:p="http://schemas.openxmlformats.org/presentationml/2006/main">
+  <p:cSld>
+    <p:spTree>
+      <p:nvGrpSpPr>
+        <p:cNvPr id="1" name=""/>
+        <p:cNvGrpSpPr/>
+        <p:nvPr/>
+      </p:nvGrpSpPr>
+      <p:grpSpPr>
+        <a:xfrm>
+          <a:off x="0" y="0"/>
+          <a:ext cx="0" cy="0"/>
+          <a:chOff x="0" y="0"/>
+          <a:chExt cx="0" cy="0"/>
+        </a:xfrm>
+      </p:grpSpPr>
+      <p:sp>
+        <p:nvSpPr>
+          <p:cNvPr id="2" name="Title 1"/>
+          <p:cNvSpPr>
+            <a:spLocks noGrp="1"/>
+          </p:cNvSpPr>
+          <p:nvPr>
+            <p:ph type="title"/>
+          </p:nvPr>
+        </p:nvSpPr>
+        <p:spPr>
+          <a:xfrm>
+            <a:off x="0" y="0"/>
+            <a:ext cx="12192000" cy="935915"/>
+          </a:xfrm>
+          <a:solidFill>
+            <a:schemeClr val="tx1"/>
+          </a:solidFill>
+        </p:spPr>
+        <p:txBody>
+          <a:bodyPr>
+            <a:normAutofit/>
+          </a:bodyPr>
+          <a:lstStyle/>
+          <a:p>
+            <a:pPr algn="ctr"/>
+            <a:r>
+              <a:rPr lang="en-US" b="1" dirty="0" smtClean="0">
+                <a:solidFill>
+                  <a:schemeClr val="bg1"/>
+                </a:solidFill>
+              </a:rPr>
+              <a:t>For Tuesday</a:t>
+            </a:r>
+            <a:endParaRPr lang="en-US" b="1" dirty="0">
+              <a:solidFill>
+                <a:schemeClr val="bg1"/>
+              </a:solidFill>
+            </a:endParaRPr>
+          </a:p>
+        </p:txBody>
+      </p:sp>
+      <p:sp>
+        <p:nvSpPr>
+          <p:cNvPr id="3" name="TextBox 2"/>
+          <p:cNvSpPr txBox="1"/>
+          <p:nvPr/>
+        </p:nvSpPr>
+        <p:spPr>
+          <a:xfrm>
+            <a:off x="719328" y="1706880"/>
+            <a:ext cx="4181016" cy="830997"/>
+          </a:xfrm>
+          <a:prstGeom prst="rect">
+            <a:avLst/>
+          </a:prstGeom>
+          <a:noFill/>
+        </p:spPr>
+        <p:txBody>
+          <a:bodyPr wrap="none" rtlCol="0">
+            <a:spAutoFit/>
+          </a:bodyPr>
+          <a:lstStyle/>
+          <a:p>
+            <a:r>
+              <a:rPr lang="en-US" sz="4800" smtClean="0"/>
+              <a:t>Do homework 2</a:t>
+            </a:r>
+            <a:endParaRPr lang="en-US" sz="4800"/>
+          </a:p>
+        </p:txBody>
+      </p:sp>
+    </p:spTree>
+    <p:extLst>
+      <p:ext uri="{BB962C8B-B14F-4D97-AF65-F5344CB8AC3E}">
+        <p14:creationId xmlns:p14="http://schemas.microsoft.com/office/powerpoint/2010/main" val="984547471"/>
+      </p:ext>
+    </p:extLst>
+  </p:cSld>
+  <p:clrMapOvr>
+    <a:masterClrMapping/>
+  </p:clrMapOvr>
+  <p:timing>
+    <p:tnLst>
+      <p:par>
+        <p:cTn id="1" dur="indefinite" restart="never" nodeType="tmRoot"/>
       </p:par>
     </p:tnLst>
   </p:timing>
